--- a/units/7/lessons/2/resources/petascale-lesson-7.2-slides.pptx
+++ b/units/7/lessons/2/resources/petascale-lesson-7.2-slides.pptx
@@ -10,7 +10,7 @@
   </p:notesMasterIdLst>
   <p:sldIdLst>
     <p:sldId id="267" r:id="rId3"/>
-    <p:sldId id="268" r:id="rId4"/>
+    <p:sldId id="269" r:id="rId4"/>
     <p:sldId id="257" r:id="rId5"/>
     <p:sldId id="258" r:id="rId6"/>
     <p:sldId id="259" r:id="rId7"/>
@@ -10154,15 +10154,7 @@
                 <a:ea typeface="Times New Roman" charset="0"/>
                 <a:cs typeface="Times New Roman" charset="0"/>
               </a:rPr>
-              <a:t>Blue Waters Petascale</a:t>
-            </a:r>
-            <a:r>
-              <a:rPr lang="en-US" sz="2700" b="1" dirty="0">
-                <a:latin typeface="Times New Roman" charset="0"/>
-                <a:ea typeface="Times New Roman" charset="0"/>
-                <a:cs typeface="Times New Roman" charset="0"/>
-              </a:rPr>
-              <a:t> Semester Curriculum v1.0</a:t>
+              <a:t>Blue Waters Petascale Semester Curriculum v1.0</a:t>
             </a:r>
             <a:r>
               <a:rPr lang="en-US" sz="2700" dirty="0">
@@ -10185,15 +10177,7 @@
                 <a:ea typeface="Times New Roman" charset="0"/>
                 <a:cs typeface="Times New Roman" charset="0"/>
               </a:rPr>
-              <a:t>Unit </a:t>
-            </a:r>
-            <a:r>
-              <a:rPr lang="en-US" sz="2700" b="1" dirty="0">
-                <a:latin typeface="Times New Roman" charset="0"/>
-                <a:ea typeface="Times New Roman" charset="0"/>
-                <a:cs typeface="Times New Roman" charset="0"/>
-              </a:rPr>
-              <a:t>7</a:t>
+              <a:t>Unit 7</a:t>
             </a:r>
             <a:r>
               <a:rPr lang="en-US" sz="2700" b="1" dirty="0" smtClean="0">
@@ -11080,7 +11064,7 @@
         </p:nvSpPr>
         <p:spPr>
           <a:xfrm>
-            <a:off x="566059" y="0"/>
+            <a:off x="566057" y="0"/>
             <a:ext cx="8011886" cy="5143500"/>
           </a:xfrm>
         </p:spPr>
@@ -11127,7 +11111,23 @@
                 <a:ea typeface="Times New Roman" charset="0"/>
                 <a:cs typeface="Times New Roman" charset="0"/>
               </a:rPr>
-              <a:t>CC BY-NC 4.0. To view a copy of this license, visit </a:t>
+              <a:t>CC </a:t>
+            </a:r>
+            <a:r>
+              <a:rPr lang="en-US" sz="2100" dirty="0" smtClean="0">
+                <a:latin typeface="Times New Roman" charset="0"/>
+                <a:ea typeface="Times New Roman" charset="0"/>
+                <a:cs typeface="Times New Roman" charset="0"/>
+              </a:rPr>
+              <a:t>BY-SA </a:t>
+            </a:r>
+            <a:r>
+              <a:rPr lang="en-US" sz="2100" dirty="0">
+                <a:latin typeface="Times New Roman" charset="0"/>
+                <a:ea typeface="Times New Roman" charset="0"/>
+                <a:cs typeface="Times New Roman" charset="0"/>
+              </a:rPr>
+              <a:t>4.0. To view a copy of this license, visit </a:t>
             </a:r>
             <a:r>
               <a:rPr lang="en-US" sz="2100" dirty="0">
@@ -11136,7 +11136,16 @@
                 <a:cs typeface="Times New Roman" charset="0"/>
                 <a:hlinkClick r:id="rId2"/>
               </a:rPr>
-              <a:t>https://creativecommons.org/licenses/by-nc/4.0</a:t>
+              <a:t>https://</a:t>
+            </a:r>
+            <a:r>
+              <a:rPr lang="en-US" sz="2100" dirty="0" smtClean="0">
+                <a:latin typeface="Times New Roman" charset="0"/>
+                <a:ea typeface="Times New Roman" charset="0"/>
+                <a:cs typeface="Times New Roman" charset="0"/>
+                <a:hlinkClick r:id="rId2"/>
+              </a:rPr>
+              <a:t>creativecommons.org/licenses/by-sa/4.0</a:t>
             </a:r>
             <a:r>
               <a:rPr lang="en-US" sz="2100" dirty="0">
@@ -11290,20 +11299,13 @@
     </p:spTree>
     <p:extLst>
       <p:ext uri="{BB962C8B-B14F-4D97-AF65-F5344CB8AC3E}">
-        <p14:creationId xmlns:p14="http://schemas.microsoft.com/office/powerpoint/2010/main" val="1777634117"/>
+        <p14:creationId xmlns:p14="http://schemas.microsoft.com/office/powerpoint/2010/main" val="1493770212"/>
       </p:ext>
     </p:extLst>
   </p:cSld>
   <p:clrMapOvr>
     <a:masterClrMapping/>
   </p:clrMapOvr>
-  <p:timing>
-    <p:tnLst>
-      <p:par>
-        <p:cTn id="1" dur="indefinite" restart="never" nodeType="tmRoot"/>
-      </p:par>
-    </p:tnLst>
-  </p:timing>
 </p:sld>
 </file>
 

--- a/units/7/lessons/2/resources/petascale-lesson-7.2-slides.pptx
+++ b/units/7/lessons/2/resources/petascale-lesson-7.2-slides.pptx
@@ -9404,7 +9404,7 @@
               </a14:hiddenLine>
             </a:ext>
             <a:ext uri="{FAA26D3D-D897-4be2-8F04-BA451C77F1D7}">
-              <ma14:placeholderFlag xmlns:ma14="http://schemas.microsoft.com/office/mac/drawingml/2011/main" val="1"/>
+              <ma14:placeholderFlag xmlns:ma14="http://schemas.microsoft.com/office/mac/drawingml/2011/main" xmlns="" val="1"/>
             </a:ext>
           </a:extLst>
         </p:spPr>
@@ -9465,7 +9465,7 @@
               </a14:hiddenLine>
             </a:ext>
             <a:ext uri="{FAA26D3D-D897-4be2-8F04-BA451C77F1D7}">
-              <ma14:placeholderFlag xmlns:ma14="http://schemas.microsoft.com/office/mac/drawingml/2011/main" val="1"/>
+              <ma14:placeholderFlag xmlns:ma14="http://schemas.microsoft.com/office/mac/drawingml/2011/main" xmlns="" val="1"/>
             </a:ext>
           </a:extLst>
         </p:spPr>
@@ -9705,7 +9705,7 @@
               </a:pPr>
               <a:t>‹#›</a:t>
             </a:fld>
-            <a:endParaRPr lang="en-US" altLang="en-US" kern="1200" smtClean="0">
+            <a:endParaRPr lang="en-US" altLang="en-US" kern="1200">
               <a:latin typeface="Arial" charset="0"/>
               <a:ea typeface=""/>
               <a:cs typeface=""/>
@@ -10156,14 +10156,6 @@
               </a:rPr>
               <a:t>Blue Waters Petascale Semester Curriculum v1.0</a:t>
             </a:r>
-            <a:r>
-              <a:rPr lang="en-US" sz="2700" dirty="0">
-                <a:latin typeface="Times New Roman" charset="0"/>
-                <a:ea typeface="Times New Roman" charset="0"/>
-                <a:cs typeface="Times New Roman" charset="0"/>
-              </a:rPr>
-              <a:t/>
-            </a:r>
             <a:br>
               <a:rPr lang="en-US" sz="2700" dirty="0">
                 <a:latin typeface="Times New Roman" charset="0"/>
@@ -10177,23 +10169,7 @@
                 <a:ea typeface="Times New Roman" charset="0"/>
                 <a:cs typeface="Times New Roman" charset="0"/>
               </a:rPr>
-              <a:t>Unit 7</a:t>
-            </a:r>
-            <a:r>
-              <a:rPr lang="en-US" sz="2700" b="1" dirty="0" smtClean="0">
-                <a:latin typeface="Times New Roman" charset="0"/>
-                <a:ea typeface="Times New Roman" charset="0"/>
-                <a:cs typeface="Times New Roman" charset="0"/>
-              </a:rPr>
-              <a:t>: CUDA</a:t>
-            </a:r>
-            <a:r>
-              <a:rPr lang="en-US" sz="2700" dirty="0">
-                <a:latin typeface="Times New Roman" charset="0"/>
-                <a:ea typeface="Times New Roman" charset="0"/>
-                <a:cs typeface="Times New Roman" charset="0"/>
-              </a:rPr>
-              <a:t/>
+              <a:t>Unit 7: CUDA</a:t>
             </a:r>
             <a:br>
               <a:rPr lang="en-US" sz="2700" dirty="0">
@@ -10208,23 +10184,7 @@
                 <a:ea typeface="Times New Roman" charset="0"/>
                 <a:cs typeface="Times New Roman" charset="0"/>
               </a:rPr>
-              <a:t>Lesson </a:t>
-            </a:r>
-            <a:r>
-              <a:rPr lang="en-US" sz="2700" b="1" dirty="0" smtClean="0">
-                <a:latin typeface="Times New Roman" charset="0"/>
-                <a:ea typeface="Times New Roman" charset="0"/>
-                <a:cs typeface="Times New Roman" charset="0"/>
-              </a:rPr>
-              <a:t>2: Image Processing</a:t>
-            </a:r>
-            <a:r>
-              <a:rPr lang="en-US" sz="2700" b="1" dirty="0">
-                <a:latin typeface="Times New Roman" charset="0"/>
-                <a:ea typeface="Times New Roman" charset="0"/>
-                <a:cs typeface="Times New Roman" charset="0"/>
-              </a:rPr>
-              <a:t/>
+              <a:t>Lesson 2: Image Processing</a:t>
             </a:r>
             <a:br>
               <a:rPr lang="en-US" sz="2700" b="1" dirty="0">
@@ -10239,23 +10199,7 @@
                 <a:ea typeface="Times New Roman" charset="0"/>
                 <a:cs typeface="Times New Roman" charset="0"/>
               </a:rPr>
-              <a:t>Developed by </a:t>
-            </a:r>
-            <a:r>
-              <a:rPr lang="en-US" sz="2700" i="1" dirty="0" smtClean="0">
-                <a:latin typeface="Times New Roman" charset="0"/>
-                <a:ea typeface="Times New Roman" charset="0"/>
-                <a:cs typeface="Times New Roman" charset="0"/>
-              </a:rPr>
-              <a:t>Michael D. Shah</a:t>
-            </a:r>
-            <a:r>
-              <a:rPr lang="en-US" sz="2700" i="1" dirty="0">
-                <a:latin typeface="Times New Roman" charset="0"/>
-                <a:ea typeface="Times New Roman" charset="0"/>
-                <a:cs typeface="Times New Roman" charset="0"/>
-              </a:rPr>
-              <a:t/>
+              <a:t>Developed by Michael D. Shah</a:t>
             </a:r>
             <a:br>
               <a:rPr lang="en-US" sz="2700" i="1" dirty="0">
@@ -10285,13 +10229,6 @@
   <p:clrMapOvr>
     <a:masterClrMapping/>
   </p:clrMapOvr>
-  <p:timing>
-    <p:tnLst>
-      <p:par>
-        <p:cTn id="1" dur="indefinite" restart="never" nodeType="tmRoot"/>
-      </p:par>
-    </p:tnLst>
-  </p:timing>
 </p:sld>
 </file>
 
@@ -10408,8 +10345,8 @@
         </p:nvSpPr>
         <p:spPr>
           <a:xfrm>
-            <a:off x="311700" y="1152475"/>
-            <a:ext cx="4419900" cy="3416400"/>
+            <a:off x="311699" y="1152475"/>
+            <a:ext cx="7641453" cy="3416400"/>
           </a:xfrm>
           <a:prstGeom prst="rect">
             <a:avLst/>
@@ -10432,10 +10369,10 @@
               <a:buChar char="●"/>
             </a:pPr>
             <a:r>
-              <a:rPr lang="en"/>
+              <a:rPr lang="en" dirty="0"/>
               <a:t>When designing CUDA enabled programs, remember we are using a heterogeneous style of programming--meaning we have both a CPU and a GPU</a:t>
             </a:r>
-            <a:endParaRPr/>
+            <a:endParaRPr dirty="0"/>
           </a:p>
           <a:p>
             <a:pPr marL="914400" lvl="1" indent="-317500" algn="l" rtl="0">
@@ -10449,10 +10386,10 @@
               <a:buChar char="○"/>
             </a:pPr>
             <a:r>
-              <a:rPr lang="en"/>
+              <a:rPr lang="en" dirty="0"/>
               <a:t>So there will be some tasks we need to do on the CPU</a:t>
             </a:r>
-            <a:endParaRPr/>
+            <a:endParaRPr dirty="0"/>
           </a:p>
           <a:p>
             <a:pPr marL="1371600" lvl="2" indent="-317500" algn="l" rtl="0">
@@ -10466,10 +10403,10 @@
               <a:buChar char="■"/>
             </a:pPr>
             <a:r>
-              <a:rPr lang="en"/>
+              <a:rPr lang="en" dirty="0"/>
               <a:t>e.g. loading a file from disk</a:t>
             </a:r>
-            <a:endParaRPr/>
+            <a:endParaRPr dirty="0"/>
           </a:p>
           <a:p>
             <a:pPr marL="914400" lvl="1" indent="-317500" algn="l" rtl="0">
@@ -10483,10 +10420,10 @@
               <a:buChar char="○"/>
             </a:pPr>
             <a:r>
-              <a:rPr lang="en"/>
+              <a:rPr lang="en" dirty="0"/>
               <a:t>Then there will be the task we can do in a massively parallel fashion</a:t>
             </a:r>
-            <a:endParaRPr/>
+            <a:endParaRPr dirty="0"/>
           </a:p>
           <a:p>
             <a:pPr marL="1371600" lvl="2" indent="-317500" algn="l" rtl="0">
@@ -10500,10 +10437,9 @@
               <a:buChar char="■"/>
             </a:pPr>
             <a:r>
-              <a:rPr lang="en"/>
+              <a:rPr lang="en" dirty="0"/>
               <a:t>e.g. image processing</a:t>
             </a:r>
-            <a:endParaRPr/>
           </a:p>
           <a:p>
             <a:pPr marL="457200" lvl="0" indent="-342900" algn="l" rtl="0">
@@ -10517,85 +10453,9 @@
               <a:buChar char="●"/>
             </a:pPr>
             <a:r>
-              <a:rPr lang="en"/>
+              <a:rPr lang="en-US" dirty="0"/>
               <a:t>The image to the right illustrates a typical workflow in a CUDA program</a:t>
             </a:r>
-            <a:endParaRPr/>
-          </a:p>
-        </p:txBody>
-      </p:sp>
-      <p:pic>
-        <p:nvPicPr>
-          <p:cNvPr id="127" name="Google Shape;127;p21"/>
-          <p:cNvPicPr preferRelativeResize="0"/>
-          <p:nvPr/>
-        </p:nvPicPr>
-        <p:blipFill>
-          <a:blip r:embed="rId3">
-            <a:alphaModFix/>
-          </a:blip>
-          <a:stretch>
-            <a:fillRect/>
-          </a:stretch>
-        </p:blipFill>
-        <p:spPr>
-          <a:xfrm>
-            <a:off x="5654975" y="185350"/>
-            <a:ext cx="3177325" cy="4383525"/>
-          </a:xfrm>
-          <a:prstGeom prst="rect">
-            <a:avLst/>
-          </a:prstGeom>
-          <a:noFill/>
-          <a:ln>
-            <a:noFill/>
-          </a:ln>
-        </p:spPr>
-      </p:pic>
-      <p:sp>
-        <p:nvSpPr>
-          <p:cNvPr id="128" name="Google Shape;128;p21"/>
-          <p:cNvSpPr txBox="1"/>
-          <p:nvPr/>
-        </p:nvSpPr>
-        <p:spPr>
-          <a:xfrm>
-            <a:off x="6049800" y="4577625"/>
-            <a:ext cx="2521500" cy="513900"/>
-          </a:xfrm>
-          <a:prstGeom prst="rect">
-            <a:avLst/>
-          </a:prstGeom>
-          <a:noFill/>
-          <a:ln>
-            <a:noFill/>
-          </a:ln>
-        </p:spPr>
-        <p:txBody>
-          <a:bodyPr spcFirstLastPara="1" wrap="square" lIns="91425" tIns="91425" rIns="91425" bIns="91425" anchor="t" anchorCtr="0">
-            <a:noAutofit/>
-          </a:bodyPr>
-          <a:lstStyle/>
-          <a:p>
-            <a:pPr marL="0" lvl="0" indent="0" algn="l" rtl="0">
-              <a:spcBef>
-                <a:spcPts val="0"/>
-              </a:spcBef>
-              <a:spcAft>
-                <a:spcPts val="0"/>
-              </a:spcAft>
-              <a:buNone/>
-            </a:pPr>
-            <a:r>
-              <a:rPr lang="en" sz="800" u="sng">
-                <a:solidFill>
-                  <a:schemeClr val="hlink"/>
-                </a:solidFill>
-                <a:hlinkClick r:id="rId4"/>
-              </a:rPr>
-              <a:t>https://docs.nvidia.com/cuda/cuda-c-programming-guide/graphics/heterogeneous-programming.png</a:t>
-            </a:r>
-            <a:endParaRPr sz="800"/>
           </a:p>
         </p:txBody>
       </p:sp>
@@ -10702,10 +10562,10 @@
               <a:buChar char="●"/>
             </a:pPr>
             <a:r>
-              <a:rPr lang="en"/>
+              <a:rPr lang="en" dirty="0"/>
               <a:t>Pictured to the right is the structure of our code.</a:t>
             </a:r>
-            <a:endParaRPr/>
+            <a:endParaRPr dirty="0"/>
           </a:p>
           <a:p>
             <a:pPr marL="457200" lvl="0" indent="-342900" algn="l" rtl="0">
@@ -10719,10 +10579,10 @@
               <a:buChar char="●"/>
             </a:pPr>
             <a:r>
-              <a:rPr lang="en"/>
+              <a:rPr lang="en" dirty="0"/>
               <a:t>Observe that there are sections of CPU code where we are doing CPU tasks, and sections of GPU code for GPU tasks</a:t>
             </a:r>
-            <a:endParaRPr/>
+            <a:endParaRPr dirty="0"/>
           </a:p>
           <a:p>
             <a:pPr marL="457200" lvl="0" indent="-342900" algn="l" rtl="0">
@@ -10736,10 +10596,10 @@
               <a:buChar char="●"/>
             </a:pPr>
             <a:r>
-              <a:rPr lang="en"/>
+              <a:rPr lang="en" dirty="0"/>
               <a:t>In the next slide, we will reveal the kernel</a:t>
             </a:r>
-            <a:endParaRPr/>
+            <a:endParaRPr dirty="0"/>
           </a:p>
         </p:txBody>
       </p:sp>
@@ -11111,23 +10971,7 @@
                 <a:ea typeface="Times New Roman" charset="0"/>
                 <a:cs typeface="Times New Roman" charset="0"/>
               </a:rPr>
-              <a:t>CC </a:t>
-            </a:r>
-            <a:r>
-              <a:rPr lang="en-US" sz="2100" dirty="0" smtClean="0">
-                <a:latin typeface="Times New Roman" charset="0"/>
-                <a:ea typeface="Times New Roman" charset="0"/>
-                <a:cs typeface="Times New Roman" charset="0"/>
-              </a:rPr>
-              <a:t>BY-SA </a:t>
-            </a:r>
-            <a:r>
-              <a:rPr lang="en-US" sz="2100" dirty="0">
-                <a:latin typeface="Times New Roman" charset="0"/>
-                <a:ea typeface="Times New Roman" charset="0"/>
-                <a:cs typeface="Times New Roman" charset="0"/>
-              </a:rPr>
-              <a:t>4.0. To view a copy of this license, visit </a:t>
+              <a:t>CC BY-SA 4.0. To view a copy of this license, visit </a:t>
             </a:r>
             <a:r>
               <a:rPr lang="en-US" sz="2100" dirty="0">
@@ -11136,24 +10980,7 @@
                 <a:cs typeface="Times New Roman" charset="0"/>
                 <a:hlinkClick r:id="rId2"/>
               </a:rPr>
-              <a:t>https://</a:t>
-            </a:r>
-            <a:r>
-              <a:rPr lang="en-US" sz="2100" dirty="0" smtClean="0">
-                <a:latin typeface="Times New Roman" charset="0"/>
-                <a:ea typeface="Times New Roman" charset="0"/>
-                <a:cs typeface="Times New Roman" charset="0"/>
-                <a:hlinkClick r:id="rId2"/>
-              </a:rPr>
-              <a:t>creativecommons.org/licenses/by-sa/4.0</a:t>
-            </a:r>
-            <a:r>
-              <a:rPr lang="en-US" sz="2100" dirty="0">
-                <a:latin typeface="Times New Roman" charset="0"/>
-                <a:ea typeface="Times New Roman" charset="0"/>
-                <a:cs typeface="Times New Roman" charset="0"/>
-              </a:rPr>
-              <a:t/>
+              <a:t>https://creativecommons.org/licenses/by-sa/4.0</a:t>
             </a:r>
             <a:br>
               <a:rPr lang="en-US" sz="2100" dirty="0">
@@ -11162,14 +10989,6 @@
                 <a:cs typeface="Times New Roman" charset="0"/>
               </a:rPr>
             </a:br>
-            <a:r>
-              <a:rPr lang="en-US" sz="2100" dirty="0">
-                <a:latin typeface="Times New Roman" charset="0"/>
-                <a:ea typeface="Times New Roman" charset="0"/>
-                <a:cs typeface="Times New Roman" charset="0"/>
-              </a:rPr>
-              <a:t/>
-            </a:r>
             <a:br>
               <a:rPr lang="en-US" sz="2100" dirty="0">
                 <a:latin typeface="Times New Roman" charset="0"/>
@@ -11194,14 +11013,6 @@
               </a:rPr>
               <a:t>http://shodor.org/petascale/materials/semester-curriculum</a:t>
             </a:r>
-            <a:r>
-              <a:rPr lang="en-US" sz="2100" dirty="0">
-                <a:latin typeface="Times New Roman" charset="0"/>
-                <a:ea typeface="Times New Roman" charset="0"/>
-                <a:cs typeface="Times New Roman" charset="0"/>
-              </a:rPr>
-              <a:t/>
-            </a:r>
             <a:br>
               <a:rPr lang="en-US" sz="2100" dirty="0">
                 <a:latin typeface="Times New Roman" charset="0"/>
@@ -11209,14 +11020,6 @@
                 <a:cs typeface="Times New Roman" charset="0"/>
               </a:rPr>
             </a:br>
-            <a:r>
-              <a:rPr lang="en-US" sz="2100" dirty="0">
-                <a:latin typeface="Times New Roman" charset="0"/>
-                <a:ea typeface="Times New Roman" charset="0"/>
-                <a:cs typeface="Times New Roman" charset="0"/>
-              </a:rPr>
-              <a:t/>
-            </a:r>
             <a:br>
               <a:rPr lang="en-US" sz="2100" dirty="0">
                 <a:latin typeface="Times New Roman" charset="0"/>
@@ -11241,14 +11044,6 @@
               </a:rPr>
               <a:t>https://github.com/shodor-education/petascale-semester-curriculum</a:t>
             </a:r>
-            <a:r>
-              <a:rPr lang="en-US" sz="2100" dirty="0">
-                <a:latin typeface="Times New Roman" charset="0"/>
-                <a:ea typeface="Times New Roman" charset="0"/>
-                <a:cs typeface="Times New Roman" charset="0"/>
-              </a:rPr>
-              <a:t/>
-            </a:r>
             <a:br>
               <a:rPr lang="en-US" sz="2100" dirty="0">
                 <a:latin typeface="Times New Roman" charset="0"/>
@@ -11256,14 +11051,6 @@
                 <a:cs typeface="Times New Roman" charset="0"/>
               </a:rPr>
             </a:br>
-            <a:r>
-              <a:rPr lang="en-US" sz="2100" dirty="0">
-                <a:latin typeface="Times New Roman" charset="0"/>
-                <a:ea typeface="Times New Roman" charset="0"/>
-                <a:cs typeface="Times New Roman" charset="0"/>
-              </a:rPr>
-              <a:t/>
-            </a:r>
             <a:br>
               <a:rPr lang="en-US" sz="2100" dirty="0">
                 <a:latin typeface="Times New Roman" charset="0"/>
@@ -11525,10 +11312,10 @@
               <a:buChar char="●"/>
             </a:pPr>
             <a:r>
-              <a:rPr lang="en"/>
+              <a:rPr lang="en" dirty="0"/>
               <a:t>We have already seen how we can use CUDA and one such use case.</a:t>
             </a:r>
-            <a:endParaRPr/>
+            <a:endParaRPr dirty="0"/>
           </a:p>
           <a:p>
             <a:pPr marL="457200" lvl="0" indent="-342900" algn="l" rtl="0">
@@ -11542,10 +11329,10 @@
               <a:buChar char="●"/>
             </a:pPr>
             <a:r>
-              <a:rPr lang="en"/>
+              <a:rPr lang="en" dirty="0"/>
               <a:t>Now however, we want to do a deeper dive and see some use cases where CUDA can really excel.</a:t>
             </a:r>
-            <a:endParaRPr/>
+            <a:endParaRPr dirty="0"/>
           </a:p>
           <a:p>
             <a:pPr marL="457200" lvl="0" indent="-342900" algn="l" rtl="0">
@@ -11559,14 +11346,14 @@
               <a:buChar char="●"/>
             </a:pPr>
             <a:r>
-              <a:rPr lang="en"/>
+              <a:rPr lang="en" dirty="0"/>
               <a:t>One such example is </a:t>
             </a:r>
             <a:r>
-              <a:rPr lang="en" u="sng"/>
+              <a:rPr lang="en" u="sng" dirty="0"/>
               <a:t>Image Processing</a:t>
             </a:r>
-            <a:endParaRPr u="sng"/>
+            <a:endParaRPr u="sng" dirty="0"/>
           </a:p>
         </p:txBody>
       </p:sp>
@@ -11715,11 +11502,11 @@
               <a:buChar char="●"/>
             </a:pPr>
             <a:r>
-              <a:rPr lang="en"/>
+              <a:rPr lang="en" dirty="0"/>
               <a:t>“In </a:t>
             </a:r>
             <a:r>
-              <a:rPr lang="en" u="sng">
+              <a:rPr lang="en" u="sng" dirty="0">
                 <a:solidFill>
                   <a:schemeClr val="hlink"/>
                 </a:solidFill>
@@ -11728,11 +11515,11 @@
               <a:t>computer science</a:t>
             </a:r>
             <a:r>
-              <a:rPr lang="en"/>
+              <a:rPr lang="en" dirty="0"/>
               <a:t>, digital image processing is the use of a </a:t>
             </a:r>
             <a:r>
-              <a:rPr lang="en" u="sng">
+              <a:rPr lang="en" u="sng" dirty="0">
                 <a:solidFill>
                   <a:schemeClr val="hlink"/>
                 </a:solidFill>
@@ -11741,11 +11528,11 @@
               <a:t>digital computer</a:t>
             </a:r>
             <a:r>
-              <a:rPr lang="en"/>
+              <a:rPr lang="en" dirty="0"/>
               <a:t> to process </a:t>
             </a:r>
             <a:r>
-              <a:rPr lang="en" u="sng">
+              <a:rPr lang="en" u="sng" dirty="0">
                 <a:solidFill>
                   <a:schemeClr val="hlink"/>
                 </a:solidFill>
@@ -11754,11 +11541,11 @@
               <a:t>digital images</a:t>
             </a:r>
             <a:r>
-              <a:rPr lang="en"/>
+              <a:rPr lang="en" dirty="0"/>
               <a:t> through an </a:t>
             </a:r>
             <a:r>
-              <a:rPr lang="en" u="sng">
+              <a:rPr lang="en" u="sng" dirty="0">
                 <a:solidFill>
                   <a:schemeClr val="hlink"/>
                 </a:solidFill>
@@ -11767,11 +11554,11 @@
               <a:t>algorithm</a:t>
             </a:r>
             <a:r>
-              <a:rPr lang="en"/>
+              <a:rPr lang="en" dirty="0"/>
               <a:t>.”  (</a:t>
             </a:r>
             <a:r>
-              <a:rPr lang="en" u="sng">
+              <a:rPr lang="en" u="sng" dirty="0">
                 <a:solidFill>
                   <a:schemeClr val="hlink"/>
                 </a:solidFill>
@@ -11780,10 +11567,10 @@
               <a:t>wiki</a:t>
             </a:r>
             <a:r>
-              <a:rPr lang="en"/>
+              <a:rPr lang="en" dirty="0"/>
               <a:t>)</a:t>
             </a:r>
-            <a:endParaRPr/>
+            <a:endParaRPr dirty="0"/>
           </a:p>
           <a:p>
             <a:pPr marL="457200" lvl="0" indent="-342900" algn="l" rtl="0">
@@ -11797,10 +11584,10 @@
               <a:buChar char="●"/>
             </a:pPr>
             <a:r>
-              <a:rPr lang="en"/>
+              <a:rPr lang="en" dirty="0"/>
               <a:t>You can think of common applications like applying a ‘grayscale’ filter to the original color photograph</a:t>
             </a:r>
-            <a:endParaRPr/>
+            <a:endParaRPr dirty="0"/>
           </a:p>
           <a:p>
             <a:pPr marL="914400" lvl="1" indent="-317500" algn="l" rtl="0">
@@ -11814,41 +11601,13 @@
               <a:buChar char="○"/>
             </a:pPr>
             <a:r>
-              <a:rPr lang="en"/>
+              <a:rPr lang="en" dirty="0"/>
               <a:t>This is what we will investigate today</a:t>
             </a:r>
-            <a:endParaRPr/>
-          </a:p>
-        </p:txBody>
-      </p:sp>
-      <p:pic>
-        <p:nvPicPr>
-          <p:cNvPr id="78" name="Google Shape;78;p16"/>
-          <p:cNvPicPr preferRelativeResize="0"/>
-          <p:nvPr/>
-        </p:nvPicPr>
-        <p:blipFill>
-          <a:blip r:embed="rId8">
-            <a:alphaModFix/>
-          </a:blip>
-          <a:stretch>
-            <a:fillRect/>
-          </a:stretch>
-        </p:blipFill>
-        <p:spPr>
-          <a:xfrm>
-            <a:off x="4724400" y="1170125"/>
-            <a:ext cx="4267199" cy="2082005"/>
-          </a:xfrm>
-          <a:prstGeom prst="rect">
-            <a:avLst/>
-          </a:prstGeom>
-          <a:noFill/>
-          <a:ln>
-            <a:noFill/>
-          </a:ln>
-        </p:spPr>
-      </p:pic>
+            <a:endParaRPr dirty="0"/>
+          </a:p>
+        </p:txBody>
+      </p:sp>
       <p:sp>
         <p:nvSpPr>
           <p:cNvPr id="79" name="Google Shape;79;p16"/>
@@ -11857,7 +11616,7 @@
         </p:nvSpPr>
         <p:spPr>
           <a:xfrm>
-            <a:off x="4724400" y="3316650"/>
+            <a:off x="4724400" y="4085117"/>
             <a:ext cx="4267200" cy="774900"/>
           </a:xfrm>
           <a:prstGeom prst="rect">
@@ -11874,25 +11633,124 @@
           </a:bodyPr>
           <a:lstStyle/>
           <a:p>
-            <a:pPr marL="0" lvl="0" indent="0" algn="l" rtl="0">
-              <a:spcBef>
-                <a:spcPts val="0"/>
-              </a:spcBef>
-              <a:spcAft>
-                <a:spcPts val="0"/>
-              </a:spcAft>
-              <a:buNone/>
-            </a:pPr>
-            <a:r>
-              <a:rPr lang="en" sz="700" u="sng">
+            <a:pPr lvl="0"/>
+            <a:r>
+              <a:rPr lang="en-US" sz="1200" dirty="0">
                 <a:solidFill>
-                  <a:schemeClr val="hlink"/>
+                  <a:schemeClr val="tx1"/>
                 </a:solidFill>
-                <a:hlinkClick r:id="rId9"/>
+                <a:latin typeface="Ubuntu"/>
+                <a:ea typeface="Roboto"/>
+                <a:cs typeface="Roboto"/>
+                <a:sym typeface="Roboto"/>
               </a:rPr>
-              <a:t>https://codropspz-tympanus.netdna-ssl.com/codrops/wp-content/uploads/2014/10/grayscale.jpg</a:t>
-            </a:r>
-            <a:endParaRPr sz="800"/>
+              <a:t>Image: </a:t>
+            </a:r>
+            <a:r>
+              <a:rPr lang="en-US" sz="1200" dirty="0" err="1">
+                <a:latin typeface="Ubuntu"/>
+                <a:ea typeface="Roboto"/>
+                <a:cs typeface="Roboto"/>
+                <a:sym typeface="Roboto"/>
+                <a:hlinkClick r:id="rId8"/>
+              </a:rPr>
+              <a:t>Beyoglu</a:t>
+            </a:r>
+            <a:r>
+              <a:rPr lang="en-US" sz="1200" dirty="0">
+                <a:latin typeface="Ubuntu"/>
+                <a:ea typeface="Roboto"/>
+                <a:cs typeface="Roboto"/>
+                <a:sym typeface="Roboto"/>
+                <a:hlinkClick r:id="rId8"/>
+              </a:rPr>
+              <a:t> 4671 tricolor.png</a:t>
+            </a:r>
+            <a:r>
+              <a:rPr lang="en-US" sz="1200" dirty="0">
+                <a:latin typeface="Ubuntu"/>
+                <a:ea typeface="Roboto"/>
+                <a:cs typeface="Roboto"/>
+                <a:sym typeface="Roboto"/>
+              </a:rPr>
+              <a:t> </a:t>
+            </a:r>
+            <a:r>
+              <a:rPr lang="en-US" sz="1200" dirty="0">
+                <a:solidFill>
+                  <a:schemeClr val="tx1"/>
+                </a:solidFill>
+                <a:latin typeface="Ubuntu"/>
+                <a:ea typeface="Roboto"/>
+                <a:cs typeface="Roboto"/>
+                <a:sym typeface="Roboto"/>
+              </a:rPr>
+              <a:t>by </a:t>
+            </a:r>
+            <a:r>
+              <a:rPr lang="en-US" sz="1200" dirty="0" err="1">
+                <a:latin typeface="Ubuntu"/>
+                <a:hlinkClick r:id="rId9" tooltip="User:Nevit"/>
+              </a:rPr>
+              <a:t>Nevit</a:t>
+            </a:r>
+            <a:r>
+              <a:rPr lang="en-US" sz="1200" dirty="0">
+                <a:latin typeface="Ubuntu"/>
+                <a:hlinkClick r:id="rId9" tooltip="User:Nevit"/>
+              </a:rPr>
+              <a:t> </a:t>
+            </a:r>
+            <a:r>
+              <a:rPr lang="en-US" sz="1200" dirty="0" err="1">
+                <a:latin typeface="Ubuntu"/>
+                <a:hlinkClick r:id="rId9" tooltip="User:Nevit"/>
+              </a:rPr>
+              <a:t>Dilmen</a:t>
+            </a:r>
+            <a:r>
+              <a:rPr lang="en-US" sz="1200" dirty="0">
+                <a:latin typeface="Ubuntu"/>
+                <a:ea typeface="Roboto"/>
+                <a:cs typeface="Roboto"/>
+                <a:sym typeface="Roboto"/>
+              </a:rPr>
+              <a:t> </a:t>
+            </a:r>
+            <a:r>
+              <a:rPr lang="en-US" sz="1200" dirty="0">
+                <a:solidFill>
+                  <a:schemeClr val="tx1"/>
+                </a:solidFill>
+                <a:latin typeface="Ubuntu"/>
+                <a:ea typeface="Roboto"/>
+                <a:cs typeface="Roboto"/>
+                <a:sym typeface="Roboto"/>
+              </a:rPr>
+              <a:t>is licensed under</a:t>
+            </a:r>
+            <a:r>
+              <a:rPr lang="en-US" sz="1200" dirty="0">
+                <a:latin typeface="Ubuntu"/>
+                <a:ea typeface="Roboto"/>
+                <a:cs typeface="Roboto"/>
+                <a:sym typeface="Roboto"/>
+              </a:rPr>
+              <a:t> </a:t>
+            </a:r>
+            <a:r>
+              <a:rPr lang="en-US" sz="1200" dirty="0">
+                <a:latin typeface="Ubuntu"/>
+                <a:hlinkClick r:id="rId10"/>
+              </a:rPr>
+              <a:t>CC-BY-SA-3.0</a:t>
+            </a:r>
+            <a:endParaRPr lang="en-US" sz="1200" dirty="0">
+              <a:latin typeface="Ubuntu"/>
+              <a:ea typeface="Roboto"/>
+              <a:cs typeface="Roboto"/>
+              <a:sym typeface="Roboto"/>
+            </a:endParaRPr>
           </a:p>
         </p:txBody>
       </p:sp>
@@ -11938,6 +11796,36 @@
           </a:p>
         </p:txBody>
       </p:sp>
+      <p:pic>
+        <p:nvPicPr>
+          <p:cNvPr id="3" name="Picture 2">
+            <a:extLst>
+              <a:ext uri="{FF2B5EF4-FFF2-40B4-BE49-F238E27FC236}">
+                <a16:creationId xmlns:a16="http://schemas.microsoft.com/office/drawing/2014/main" id="{6D92E01C-9F28-4589-8D6F-39E9D71BF2E5}"/>
+              </a:ext>
+            </a:extLst>
+          </p:cNvPr>
+          <p:cNvPicPr>
+            <a:picLocks noChangeAspect="1"/>
+          </p:cNvPicPr>
+          <p:nvPr/>
+        </p:nvPicPr>
+        <p:blipFill>
+          <a:blip r:embed="rId11"/>
+          <a:stretch>
+            <a:fillRect/>
+          </a:stretch>
+        </p:blipFill>
+        <p:spPr>
+          <a:xfrm>
+            <a:off x="4364558" y="1203847"/>
+            <a:ext cx="4107900" cy="2706078"/>
+          </a:xfrm>
+          <a:prstGeom prst="rect">
+            <a:avLst/>
+          </a:prstGeom>
+        </p:spPr>
+      </p:pic>
     </p:spTree>
   </p:cSld>
   <p:clrMapOvr>
@@ -11963,6 +11851,36 @@
           <a:chExt cx="0" cy="0"/>
         </a:xfrm>
       </p:grpSpPr>
+      <p:pic>
+        <p:nvPicPr>
+          <p:cNvPr id="12" name="Picture 11">
+            <a:extLst>
+              <a:ext uri="{FF2B5EF4-FFF2-40B4-BE49-F238E27FC236}">
+                <a16:creationId xmlns:a16="http://schemas.microsoft.com/office/drawing/2014/main" id="{696A7B08-C3E9-48D0-B8B6-6610AFC50768}"/>
+              </a:ext>
+            </a:extLst>
+          </p:cNvPr>
+          <p:cNvPicPr>
+            <a:picLocks noChangeAspect="1"/>
+          </p:cNvPicPr>
+          <p:nvPr/>
+        </p:nvPicPr>
+        <p:blipFill>
+          <a:blip r:embed="rId3"/>
+          <a:stretch>
+            <a:fillRect/>
+          </a:stretch>
+        </p:blipFill>
+        <p:spPr>
+          <a:xfrm>
+            <a:off x="4268317" y="137519"/>
+            <a:ext cx="4705183" cy="3099537"/>
+          </a:xfrm>
+          <a:prstGeom prst="rect">
+            <a:avLst/>
+          </a:prstGeom>
+        </p:spPr>
+      </p:pic>
       <p:sp>
         <p:nvSpPr>
           <p:cNvPr id="85" name="Google Shape;85;p17"/>
@@ -12041,10 +11959,10 @@
               <a:buChar char="●"/>
             </a:pPr>
             <a:r>
-              <a:rPr lang="en"/>
-              <a:t>An image (like the two on the right) store information in pixels.</a:t>
-            </a:r>
-            <a:endParaRPr/>
+              <a:rPr lang="en" dirty="0"/>
+              <a:t>An image (like the ones on the right) store information in pixels.</a:t>
+            </a:r>
+            <a:endParaRPr dirty="0"/>
           </a:p>
           <a:p>
             <a:pPr marL="457200" lvl="0" indent="-342900" algn="l" rtl="0">
@@ -12058,10 +11976,10 @@
               <a:buChar char="●"/>
             </a:pPr>
             <a:r>
-              <a:rPr lang="en"/>
+              <a:rPr lang="en" dirty="0"/>
               <a:t>You may for example have an image that is 600x400 pixels in width and height</a:t>
             </a:r>
-            <a:endParaRPr/>
+            <a:endParaRPr dirty="0"/>
           </a:p>
           <a:p>
             <a:pPr marL="914400" lvl="1" indent="-317500" algn="l" rtl="0">
@@ -12075,10 +11993,10 @@
               <a:buChar char="○"/>
             </a:pPr>
             <a:r>
-              <a:rPr lang="en"/>
+              <a:rPr lang="en" dirty="0"/>
               <a:t>Within each pixel, color information is stored.</a:t>
             </a:r>
-            <a:endParaRPr/>
+            <a:endParaRPr dirty="0"/>
           </a:p>
           <a:p>
             <a:pPr marL="914400" lvl="1" indent="-317500" algn="l" rtl="0">
@@ -12092,85 +12010,10 @@
               <a:buChar char="○"/>
             </a:pPr>
             <a:r>
-              <a:rPr lang="en"/>
+              <a:rPr lang="en" dirty="0"/>
               <a:t>Using three color channels, such as Red, Green, and Blue, those values make up the individual color of a pixel.</a:t>
             </a:r>
-            <a:endParaRPr/>
-          </a:p>
-        </p:txBody>
-      </p:sp>
-      <p:pic>
-        <p:nvPicPr>
-          <p:cNvPr id="87" name="Google Shape;87;p17"/>
-          <p:cNvPicPr preferRelativeResize="0"/>
-          <p:nvPr/>
-        </p:nvPicPr>
-        <p:blipFill>
-          <a:blip r:embed="rId3">
-            <a:alphaModFix/>
-          </a:blip>
-          <a:stretch>
-            <a:fillRect/>
-          </a:stretch>
-        </p:blipFill>
-        <p:spPr>
-          <a:xfrm>
-            <a:off x="4724400" y="1170125"/>
-            <a:ext cx="4267199" cy="2082005"/>
-          </a:xfrm>
-          <a:prstGeom prst="rect">
-            <a:avLst/>
-          </a:prstGeom>
-          <a:noFill/>
-          <a:ln>
-            <a:noFill/>
-          </a:ln>
-        </p:spPr>
-      </p:pic>
-      <p:sp>
-        <p:nvSpPr>
-          <p:cNvPr id="88" name="Google Shape;88;p17"/>
-          <p:cNvSpPr txBox="1"/>
-          <p:nvPr/>
-        </p:nvSpPr>
-        <p:spPr>
-          <a:xfrm>
-            <a:off x="4724400" y="3316650"/>
-            <a:ext cx="4267200" cy="774900"/>
-          </a:xfrm>
-          <a:prstGeom prst="rect">
-            <a:avLst/>
-          </a:prstGeom>
-          <a:noFill/>
-          <a:ln>
-            <a:noFill/>
-          </a:ln>
-        </p:spPr>
-        <p:txBody>
-          <a:bodyPr spcFirstLastPara="1" wrap="square" lIns="91425" tIns="91425" rIns="91425" bIns="91425" anchor="t" anchorCtr="0">
-            <a:noAutofit/>
-          </a:bodyPr>
-          <a:lstStyle/>
-          <a:p>
-            <a:pPr marL="0" lvl="0" indent="0" algn="l" rtl="0">
-              <a:spcBef>
-                <a:spcPts val="0"/>
-              </a:spcBef>
-              <a:spcAft>
-                <a:spcPts val="0"/>
-              </a:spcAft>
-              <a:buNone/>
-            </a:pPr>
-            <a:r>
-              <a:rPr lang="en" sz="700" u="sng">
-                <a:solidFill>
-                  <a:schemeClr val="hlink"/>
-                </a:solidFill>
-                <a:hlinkClick r:id="rId4"/>
-              </a:rPr>
-              <a:t>https://codropspz-tympanus.netdna-ssl.com/codrops/wp-content/uploads/2014/10/grayscale.jpg</a:t>
-            </a:r>
-            <a:endParaRPr sz="800"/>
+            <a:endParaRPr dirty="0"/>
           </a:p>
         </p:txBody>
       </p:sp>
@@ -12436,6 +12279,158 @@
               <a:t>6</a:t>
             </a:fld>
             <a:endParaRPr/>
+          </a:p>
+        </p:txBody>
+      </p:sp>
+      <p:sp>
+        <p:nvSpPr>
+          <p:cNvPr id="11" name="Google Shape;79;p16">
+            <a:extLst>
+              <a:ext uri="{FF2B5EF4-FFF2-40B4-BE49-F238E27FC236}">
+                <a16:creationId xmlns:a16="http://schemas.microsoft.com/office/drawing/2014/main" id="{5628F796-31C2-4AFD-B32D-E5A9D1A052DD}"/>
+              </a:ext>
+            </a:extLst>
+          </p:cNvPr>
+          <p:cNvSpPr txBox="1"/>
+          <p:nvPr/>
+        </p:nvSpPr>
+        <p:spPr>
+          <a:xfrm>
+            <a:off x="5783053" y="3288719"/>
+            <a:ext cx="3422293" cy="596193"/>
+          </a:xfrm>
+          <a:prstGeom prst="rect">
+            <a:avLst/>
+          </a:prstGeom>
+          <a:noFill/>
+          <a:ln>
+            <a:noFill/>
+          </a:ln>
+        </p:spPr>
+        <p:txBody>
+          <a:bodyPr spcFirstLastPara="1" wrap="square" lIns="91425" tIns="91425" rIns="91425" bIns="91425" anchor="t" anchorCtr="0">
+            <a:noAutofit/>
+          </a:bodyPr>
+          <a:lstStyle/>
+          <a:p>
+            <a:pPr lvl="0"/>
+            <a:r>
+              <a:rPr lang="en-US" sz="1200" dirty="0">
+                <a:solidFill>
+                  <a:schemeClr val="tx1"/>
+                </a:solidFill>
+                <a:latin typeface="Ubuntu"/>
+                <a:ea typeface="Roboto"/>
+                <a:cs typeface="Roboto"/>
+                <a:sym typeface="Roboto"/>
+              </a:rPr>
+              <a:t>Image: </a:t>
+            </a:r>
+            <a:r>
+              <a:rPr lang="en-US" sz="1200" dirty="0" err="1">
+                <a:latin typeface="Ubuntu"/>
+                <a:ea typeface="Roboto"/>
+                <a:cs typeface="Roboto"/>
+                <a:sym typeface="Roboto"/>
+                <a:hlinkClick r:id="rId4"/>
+              </a:rPr>
+              <a:t>Beyoglu</a:t>
+            </a:r>
+            <a:r>
+              <a:rPr lang="en-US" sz="1200" dirty="0">
+                <a:latin typeface="Ubuntu"/>
+                <a:ea typeface="Roboto"/>
+                <a:cs typeface="Roboto"/>
+                <a:sym typeface="Roboto"/>
+                <a:hlinkClick r:id="rId4"/>
+              </a:rPr>
+              <a:t> 4671 tricolor.png</a:t>
+            </a:r>
+            <a:r>
+              <a:rPr lang="en-US" sz="1200" dirty="0">
+                <a:latin typeface="Ubuntu"/>
+                <a:ea typeface="Roboto"/>
+                <a:cs typeface="Roboto"/>
+                <a:sym typeface="Roboto"/>
+              </a:rPr>
+              <a:t> </a:t>
+            </a:r>
+            <a:r>
+              <a:rPr lang="en-US" sz="1200" dirty="0">
+                <a:solidFill>
+                  <a:schemeClr val="tx1"/>
+                </a:solidFill>
+                <a:latin typeface="Ubuntu"/>
+                <a:ea typeface="Roboto"/>
+                <a:cs typeface="Roboto"/>
+                <a:sym typeface="Roboto"/>
+              </a:rPr>
+              <a:t>by </a:t>
+            </a:r>
+            <a:r>
+              <a:rPr lang="en-US" sz="1200" dirty="0" err="1">
+                <a:latin typeface="Ubuntu"/>
+                <a:hlinkClick r:id="rId5" tooltip="User:Nevit"/>
+              </a:rPr>
+              <a:t>Nevit</a:t>
+            </a:r>
+            <a:r>
+              <a:rPr lang="en-US" sz="1200" dirty="0">
+                <a:latin typeface="Ubuntu"/>
+                <a:hlinkClick r:id="rId5" tooltip="User:Nevit"/>
+              </a:rPr>
+              <a:t> </a:t>
+            </a:r>
+            <a:r>
+              <a:rPr lang="en-US" sz="1200" dirty="0" err="1">
+                <a:latin typeface="Ubuntu"/>
+                <a:hlinkClick r:id="rId5" tooltip="User:Nevit"/>
+              </a:rPr>
+              <a:t>Dilmen</a:t>
+            </a:r>
+            <a:r>
+              <a:rPr lang="en-US" sz="1200" dirty="0">
+                <a:latin typeface="Ubuntu"/>
+                <a:ea typeface="Roboto"/>
+                <a:cs typeface="Roboto"/>
+                <a:sym typeface="Roboto"/>
+              </a:rPr>
+              <a:t> </a:t>
+            </a:r>
+            <a:r>
+              <a:rPr lang="en-US" sz="1200" dirty="0">
+                <a:solidFill>
+                  <a:schemeClr val="tx1"/>
+                </a:solidFill>
+                <a:latin typeface="Ubuntu"/>
+                <a:ea typeface="Roboto"/>
+                <a:cs typeface="Roboto"/>
+                <a:sym typeface="Roboto"/>
+              </a:rPr>
+              <a:t>is licensed under</a:t>
+            </a:r>
+            <a:r>
+              <a:rPr lang="en-US" sz="1200" dirty="0">
+                <a:latin typeface="Ubuntu"/>
+                <a:ea typeface="Roboto"/>
+                <a:cs typeface="Roboto"/>
+                <a:sym typeface="Roboto"/>
+              </a:rPr>
+              <a:t> </a:t>
+            </a:r>
+            <a:r>
+              <a:rPr lang="en-US" sz="1200" dirty="0">
+                <a:latin typeface="Ubuntu"/>
+                <a:hlinkClick r:id="rId6"/>
+              </a:rPr>
+              <a:t>CC-BY-SA-3.0</a:t>
+            </a:r>
+            <a:endParaRPr lang="en-US" sz="1200" dirty="0">
+              <a:latin typeface="Ubuntu"/>
+              <a:ea typeface="Roboto"/>
+              <a:cs typeface="Roboto"/>
+              <a:sym typeface="Roboto"/>
+            </a:endParaRPr>
           </a:p>
         </p:txBody>
       </p:sp>
@@ -12583,81 +12578,6 @@
           </a:p>
         </p:txBody>
       </p:sp>
-      <p:pic>
-        <p:nvPicPr>
-          <p:cNvPr id="100" name="Google Shape;100;p18"/>
-          <p:cNvPicPr preferRelativeResize="0"/>
-          <p:nvPr/>
-        </p:nvPicPr>
-        <p:blipFill>
-          <a:blip r:embed="rId3">
-            <a:alphaModFix/>
-          </a:blip>
-          <a:stretch>
-            <a:fillRect/>
-          </a:stretch>
-        </p:blipFill>
-        <p:spPr>
-          <a:xfrm>
-            <a:off x="4724400" y="1170125"/>
-            <a:ext cx="4267199" cy="2082005"/>
-          </a:xfrm>
-          <a:prstGeom prst="rect">
-            <a:avLst/>
-          </a:prstGeom>
-          <a:noFill/>
-          <a:ln>
-            <a:noFill/>
-          </a:ln>
-        </p:spPr>
-      </p:pic>
-      <p:sp>
-        <p:nvSpPr>
-          <p:cNvPr id="101" name="Google Shape;101;p18"/>
-          <p:cNvSpPr txBox="1"/>
-          <p:nvPr/>
-        </p:nvSpPr>
-        <p:spPr>
-          <a:xfrm>
-            <a:off x="4724400" y="3316650"/>
-            <a:ext cx="4267200" cy="774900"/>
-          </a:xfrm>
-          <a:prstGeom prst="rect">
-            <a:avLst/>
-          </a:prstGeom>
-          <a:noFill/>
-          <a:ln>
-            <a:noFill/>
-          </a:ln>
-        </p:spPr>
-        <p:txBody>
-          <a:bodyPr spcFirstLastPara="1" wrap="square" lIns="91425" tIns="91425" rIns="91425" bIns="91425" anchor="t" anchorCtr="0">
-            <a:noAutofit/>
-          </a:bodyPr>
-          <a:lstStyle/>
-          <a:p>
-            <a:pPr marL="0" lvl="0" indent="0" algn="l" rtl="0">
-              <a:spcBef>
-                <a:spcPts val="0"/>
-              </a:spcBef>
-              <a:spcAft>
-                <a:spcPts val="0"/>
-              </a:spcAft>
-              <a:buNone/>
-            </a:pPr>
-            <a:r>
-              <a:rPr lang="en" sz="700" u="sng">
-                <a:solidFill>
-                  <a:schemeClr val="hlink"/>
-                </a:solidFill>
-                <a:hlinkClick r:id="rId4"/>
-              </a:rPr>
-              <a:t>https://codropspz-tympanus.netdna-ssl.com/codrops/wp-content/uploads/2014/10/grayscale.jpg</a:t>
-            </a:r>
-            <a:endParaRPr sz="800"/>
-          </a:p>
-        </p:txBody>
-      </p:sp>
       <p:sp>
         <p:nvSpPr>
           <p:cNvPr id="102" name="Google Shape;102;p18"/>
@@ -12666,7 +12586,7 @@
         </p:nvSpPr>
         <p:spPr>
           <a:xfrm>
-            <a:off x="4649500" y="3833250"/>
+            <a:off x="5698579" y="3833250"/>
             <a:ext cx="2562300" cy="909300"/>
           </a:xfrm>
           <a:prstGeom prst="wedgeRectCallout">
@@ -12715,7 +12635,7 @@
         </p:nvSpPr>
         <p:spPr>
           <a:xfrm>
-            <a:off x="4701150" y="3936575"/>
+            <a:off x="5750229" y="3936575"/>
             <a:ext cx="744000" cy="712800"/>
           </a:xfrm>
           <a:prstGeom prst="rect">
@@ -12773,7 +12693,7 @@
         </p:nvSpPr>
         <p:spPr>
           <a:xfrm>
-            <a:off x="5535475" y="3936575"/>
+            <a:off x="6584554" y="3936575"/>
             <a:ext cx="744000" cy="712800"/>
           </a:xfrm>
           <a:prstGeom prst="rect">
@@ -12831,7 +12751,7 @@
         </p:nvSpPr>
         <p:spPr>
           <a:xfrm>
-            <a:off x="6369800" y="3936575"/>
+            <a:off x="7418879" y="3936575"/>
             <a:ext cx="744000" cy="712800"/>
           </a:xfrm>
           <a:prstGeom prst="rect">
@@ -12923,6 +12843,188 @@
           </a:p>
         </p:txBody>
       </p:sp>
+      <p:sp>
+        <p:nvSpPr>
+          <p:cNvPr id="11" name="Google Shape;79;p16">
+            <a:extLst>
+              <a:ext uri="{FF2B5EF4-FFF2-40B4-BE49-F238E27FC236}">
+                <a16:creationId xmlns:a16="http://schemas.microsoft.com/office/drawing/2014/main" id="{DF7EA818-7E6E-444B-B3FA-EC02280AADED}"/>
+              </a:ext>
+            </a:extLst>
+          </p:cNvPr>
+          <p:cNvSpPr txBox="1"/>
+          <p:nvPr/>
+        </p:nvSpPr>
+        <p:spPr>
+          <a:xfrm>
+            <a:off x="4442851" y="4568875"/>
+            <a:ext cx="4212664" cy="695028"/>
+          </a:xfrm>
+          <a:prstGeom prst="rect">
+            <a:avLst/>
+          </a:prstGeom>
+          <a:noFill/>
+          <a:ln>
+            <a:noFill/>
+          </a:ln>
+        </p:spPr>
+        <p:txBody>
+          <a:bodyPr spcFirstLastPara="1" wrap="square" lIns="91425" tIns="91425" rIns="91425" bIns="91425" anchor="t" anchorCtr="0">
+            <a:noAutofit/>
+          </a:bodyPr>
+          <a:lstStyle/>
+          <a:p>
+            <a:pPr lvl="0"/>
+            <a:r>
+              <a:rPr lang="en-US" sz="1200" dirty="0">
+                <a:solidFill>
+                  <a:schemeClr val="tx1"/>
+                </a:solidFill>
+                <a:latin typeface="Ubuntu"/>
+                <a:ea typeface="Roboto"/>
+                <a:cs typeface="Roboto"/>
+                <a:sym typeface="Roboto"/>
+              </a:rPr>
+              <a:t>Image: </a:t>
+            </a:r>
+            <a:r>
+              <a:rPr lang="en-US" sz="1200" dirty="0" err="1">
+                <a:latin typeface="Ubuntu"/>
+                <a:ea typeface="Roboto"/>
+                <a:cs typeface="Roboto"/>
+                <a:sym typeface="Roboto"/>
+                <a:hlinkClick r:id="rId3"/>
+              </a:rPr>
+              <a:t>Beyoglu</a:t>
+            </a:r>
+            <a:r>
+              <a:rPr lang="en-US" sz="1200" dirty="0">
+                <a:latin typeface="Ubuntu"/>
+                <a:ea typeface="Roboto"/>
+                <a:cs typeface="Roboto"/>
+                <a:sym typeface="Roboto"/>
+                <a:hlinkClick r:id="rId3"/>
+              </a:rPr>
+              <a:t> 4671 tricolor.png</a:t>
+            </a:r>
+            <a:r>
+              <a:rPr lang="en-US" sz="1200" dirty="0">
+                <a:latin typeface="Ubuntu"/>
+                <a:ea typeface="Roboto"/>
+                <a:cs typeface="Roboto"/>
+                <a:sym typeface="Roboto"/>
+              </a:rPr>
+              <a:t> </a:t>
+            </a:r>
+            <a:r>
+              <a:rPr lang="en-US" sz="1200" dirty="0">
+                <a:solidFill>
+                  <a:schemeClr val="tx1"/>
+                </a:solidFill>
+                <a:latin typeface="Ubuntu"/>
+                <a:ea typeface="Roboto"/>
+                <a:cs typeface="Roboto"/>
+                <a:sym typeface="Roboto"/>
+              </a:rPr>
+              <a:t>by </a:t>
+            </a:r>
+            <a:r>
+              <a:rPr lang="en-US" sz="1200" dirty="0" err="1">
+                <a:latin typeface="Ubuntu"/>
+                <a:hlinkClick r:id="rId4" tooltip="User:Nevit"/>
+              </a:rPr>
+              <a:t>Nevit</a:t>
+            </a:r>
+            <a:r>
+              <a:rPr lang="en-US" sz="1200" dirty="0">
+                <a:latin typeface="Ubuntu"/>
+                <a:hlinkClick r:id="rId4" tooltip="User:Nevit"/>
+              </a:rPr>
+              <a:t> </a:t>
+            </a:r>
+            <a:r>
+              <a:rPr lang="en-US" sz="1200" dirty="0" err="1">
+                <a:latin typeface="Ubuntu"/>
+                <a:hlinkClick r:id="rId4" tooltip="User:Nevit"/>
+              </a:rPr>
+              <a:t>Dilmen</a:t>
+            </a:r>
+            <a:r>
+              <a:rPr lang="en-US" sz="1200" dirty="0">
+                <a:latin typeface="Ubuntu"/>
+                <a:ea typeface="Roboto"/>
+                <a:cs typeface="Roboto"/>
+                <a:sym typeface="Roboto"/>
+              </a:rPr>
+              <a:t> </a:t>
+            </a:r>
+            <a:r>
+              <a:rPr lang="en-US" sz="1200" dirty="0">
+                <a:solidFill>
+                  <a:schemeClr val="tx1"/>
+                </a:solidFill>
+                <a:latin typeface="Ubuntu"/>
+                <a:ea typeface="Roboto"/>
+                <a:cs typeface="Roboto"/>
+                <a:sym typeface="Roboto"/>
+              </a:rPr>
+              <a:t>is licensed under</a:t>
+            </a:r>
+            <a:r>
+              <a:rPr lang="en-US" sz="1200" dirty="0">
+                <a:latin typeface="Ubuntu"/>
+                <a:ea typeface="Roboto"/>
+                <a:cs typeface="Roboto"/>
+                <a:sym typeface="Roboto"/>
+              </a:rPr>
+              <a:t> </a:t>
+            </a:r>
+            <a:r>
+              <a:rPr lang="en-US" sz="1200" dirty="0">
+                <a:latin typeface="Ubuntu"/>
+                <a:hlinkClick r:id="rId5"/>
+              </a:rPr>
+              <a:t>CC-BY-SA-3.0</a:t>
+            </a:r>
+            <a:endParaRPr lang="en-US" sz="1200" dirty="0">
+              <a:latin typeface="Ubuntu"/>
+              <a:ea typeface="Roboto"/>
+              <a:cs typeface="Roboto"/>
+              <a:sym typeface="Roboto"/>
+            </a:endParaRPr>
+          </a:p>
+        </p:txBody>
+      </p:sp>
+      <p:pic>
+        <p:nvPicPr>
+          <p:cNvPr id="12" name="Picture 11">
+            <a:extLst>
+              <a:ext uri="{FF2B5EF4-FFF2-40B4-BE49-F238E27FC236}">
+                <a16:creationId xmlns:a16="http://schemas.microsoft.com/office/drawing/2014/main" id="{AA894135-B9DB-4FE1-AF80-2569B05C673E}"/>
+              </a:ext>
+            </a:extLst>
+          </p:cNvPr>
+          <p:cNvPicPr>
+            <a:picLocks noChangeAspect="1"/>
+          </p:cNvPicPr>
+          <p:nvPr/>
+        </p:nvPicPr>
+        <p:blipFill>
+          <a:blip r:embed="rId6"/>
+          <a:stretch>
+            <a:fillRect/>
+          </a:stretch>
+        </p:blipFill>
+        <p:spPr>
+          <a:xfrm>
+            <a:off x="3745544" y="755346"/>
+            <a:ext cx="4726914" cy="3113854"/>
+          </a:xfrm>
+          <a:prstGeom prst="rect">
+            <a:avLst/>
+          </a:prstGeom>
+        </p:spPr>
+      </p:pic>
     </p:spTree>
   </p:cSld>
   <p:clrMapOvr>
